--- a/Capstone - Final Project - Presentation.pptx
+++ b/Capstone - Final Project - Presentation.pptx
@@ -7068,9 +7068,13 @@
           </a:bodyPr>
           <a:lstStyle/>
           <a:p>
+            <a:pPr marL="285750" indent="-285750">
+              <a:buFont typeface="Arial" panose="020B0604020202020204" pitchFamily="34" charset="0"/>
+              <a:buChar char="•"/>
+            </a:pPr>
             <a:r>
               <a:rPr lang="en-CA" sz="1600" dirty="0"/>
-              <a:t>- Cluster 1 - purple: Center area of Marseille. Most popular venues include hotels and restaurants. Interestingly, districts 8</a:t>
+              <a:t>Cluster 1 - purple: Center area of Marseille. Most popular venues include hotels and restaurants. Interestingly, districts 8</a:t>
             </a:r>
             <a:r>
               <a:rPr lang="en-CA" sz="1600" baseline="30000" dirty="0"/>
@@ -7106,9 +7110,13 @@
             </a:r>
           </a:p>
           <a:p>
+            <a:pPr marL="285750" indent="-285750">
+              <a:buFont typeface="Arial" panose="020B0604020202020204" pitchFamily="34" charset="0"/>
+              <a:buChar char="•"/>
+            </a:pPr>
             <a:r>
               <a:rPr lang="en-CA" sz="1600" dirty="0"/>
-              <a:t>- Clusters 0, 2, 3, 4 – other colors: Other venues are more popular, including shops tram stations, etc. More knowledge about the city is necessary to provide better distinctions between these clusters</a:t>
+              <a:t>Clusters 0, 2, 3, 4 – other colors: Other venues are more popular, including shops tram stations, etc. More knowledge about the city is necessary to provide better distinctions between these clusters</a:t>
             </a:r>
           </a:p>
         </p:txBody>
@@ -7280,7 +7288,7 @@
           </a:bodyPr>
           <a:lstStyle/>
           <a:p>
-            <a:pPr>
+            <a:pPr marL="285750" indent="-285750">
               <a:buFont typeface="Arial" panose="020B0604020202020204" pitchFamily="34" charset="0"/>
               <a:buChar char="•"/>
             </a:pPr>
@@ -7295,10 +7303,19 @@
             </a:r>
           </a:p>
           <a:p>
-            <a:pPr>
+            <a:pPr marL="285750" indent="-285750">
               <a:buFont typeface="Arial" panose="020B0604020202020204" pitchFamily="34" charset="0"/>
               <a:buChar char="•"/>
             </a:pPr>
+            <a:r>
+              <a:rPr lang="en-US" sz="1600">
+                <a:solidFill>
+                  <a:srgbClr val="000000"/>
+                </a:solidFill>
+                <a:latin typeface="Trebuchet MS" panose="020B0603020202020204" pitchFamily="34" charset="0"/>
+              </a:rPr>
+              <a:t>Clusters </a:t>
+            </a:r>
             <a:r>
               <a:rPr lang="en-US" sz="1600" dirty="0">
                 <a:solidFill>
@@ -7306,7 +7323,7 @@
                 </a:solidFill>
                 <a:latin typeface="Trebuchet MS" panose="020B0603020202020204" pitchFamily="34" charset="0"/>
               </a:rPr>
-              <a:t>Clusters 1-7: Outskirts of Marseille. More knowledge about the city is necessary to provide better distinctions between these clusters</a:t>
+              <a:t>1-7: Outskirts of Marseille. More knowledge about the city is necessary to provide better distinctions between these clusters</a:t>
             </a:r>
             <a:endParaRPr lang="en-US" sz="1600" b="0" i="0" dirty="0">
               <a:solidFill>
